--- a/slides/00_git_github.pptx
+++ b/slides/00_git_github.pptx
@@ -5,7 +5,7 @@
     <p:sldMasterId id="2147483648" r:id="rId1"/>
   </p:sldMasterIdLst>
   <p:notesMasterIdLst>
-    <p:notesMasterId r:id="rId42"/>
+    <p:notesMasterId r:id="rId43"/>
   </p:notesMasterIdLst>
   <p:sldIdLst>
     <p:sldId id="256" r:id="rId2"/>
@@ -42,12 +42,13 @@
     <p:sldId id="277" r:id="rId33"/>
     <p:sldId id="268" r:id="rId34"/>
     <p:sldId id="311" r:id="rId35"/>
-    <p:sldId id="282" r:id="rId36"/>
-    <p:sldId id="294" r:id="rId37"/>
-    <p:sldId id="295" r:id="rId38"/>
-    <p:sldId id="296" r:id="rId39"/>
-    <p:sldId id="297" r:id="rId40"/>
-    <p:sldId id="281" r:id="rId41"/>
+    <p:sldId id="312" r:id="rId36"/>
+    <p:sldId id="282" r:id="rId37"/>
+    <p:sldId id="294" r:id="rId38"/>
+    <p:sldId id="295" r:id="rId39"/>
+    <p:sldId id="296" r:id="rId40"/>
+    <p:sldId id="297" r:id="rId41"/>
+    <p:sldId id="281" r:id="rId42"/>
   </p:sldIdLst>
   <p:sldSz cx="9144000" cy="6858000" type="screen4x3"/>
   <p:notesSz cx="6858000" cy="9144000"/>
@@ -247,7 +248,7 @@
           <a:p>
             <a:fld id="{63776227-62C3-D143-8FB1-7F591E1F6EC7}" type="datetimeFigureOut">
               <a:rPr lang="en-US" smtClean="0"/>
-              <a:t>8/30/18</a:t>
+              <a:t>8/31/18</a:t>
             </a:fld>
             <a:endParaRPr lang="en-US"/>
           </a:p>
@@ -862,7 +863,7 @@
             <a:fld id="{1D8BD707-D9CF-40AE-B4C6-C98DA3205C09}" type="datetimeFigureOut">
               <a:rPr lang="en-US" smtClean="0"/>
               <a:pPr/>
-              <a:t>8/30/18</a:t>
+              <a:t>8/31/18</a:t>
             </a:fld>
             <a:endParaRPr lang="en-US"/>
           </a:p>
@@ -1057,7 +1058,7 @@
             <a:fld id="{1D8BD707-D9CF-40AE-B4C6-C98DA3205C09}" type="datetimeFigureOut">
               <a:rPr lang="en-US" smtClean="0"/>
               <a:pPr/>
-              <a:t>8/30/18</a:t>
+              <a:t>8/31/18</a:t>
             </a:fld>
             <a:endParaRPr lang="en-US"/>
           </a:p>
@@ -1232,7 +1233,7 @@
             <a:fld id="{1D8BD707-D9CF-40AE-B4C6-C98DA3205C09}" type="datetimeFigureOut">
               <a:rPr lang="en-US" smtClean="0"/>
               <a:pPr/>
-              <a:t>8/30/18</a:t>
+              <a:t>8/31/18</a:t>
             </a:fld>
             <a:endParaRPr lang="en-US"/>
           </a:p>
@@ -1397,7 +1398,7 @@
             <a:fld id="{1D8BD707-D9CF-40AE-B4C6-C98DA3205C09}" type="datetimeFigureOut">
               <a:rPr lang="en-US" smtClean="0"/>
               <a:pPr/>
-              <a:t>8/30/18</a:t>
+              <a:t>8/31/18</a:t>
             </a:fld>
             <a:endParaRPr lang="en-US"/>
           </a:p>
@@ -2003,7 +2004,7 @@
             <a:fld id="{1D8BD707-D9CF-40AE-B4C6-C98DA3205C09}" type="datetimeFigureOut">
               <a:rPr lang="en-US" smtClean="0"/>
               <a:pPr/>
-              <a:t>8/30/18</a:t>
+              <a:t>8/31/18</a:t>
             </a:fld>
             <a:endParaRPr lang="en-US"/>
           </a:p>
@@ -2285,7 +2286,7 @@
             <a:fld id="{1D8BD707-D9CF-40AE-B4C6-C98DA3205C09}" type="datetimeFigureOut">
               <a:rPr lang="en-US" smtClean="0"/>
               <a:pPr/>
-              <a:t>8/30/18</a:t>
+              <a:t>8/31/18</a:t>
             </a:fld>
             <a:endParaRPr lang="en-US"/>
           </a:p>
@@ -2701,7 +2702,7 @@
             <a:fld id="{1D8BD707-D9CF-40AE-B4C6-C98DA3205C09}" type="datetimeFigureOut">
               <a:rPr lang="en-US" smtClean="0"/>
               <a:pPr/>
-              <a:t>8/30/18</a:t>
+              <a:t>8/31/18</a:t>
             </a:fld>
             <a:endParaRPr lang="en-US"/>
           </a:p>
@@ -2815,7 +2816,7 @@
             <a:fld id="{1D8BD707-D9CF-40AE-B4C6-C98DA3205C09}" type="datetimeFigureOut">
               <a:rPr lang="en-US" smtClean="0"/>
               <a:pPr/>
-              <a:t>8/30/18</a:t>
+              <a:t>8/31/18</a:t>
             </a:fld>
             <a:endParaRPr lang="en-US"/>
           </a:p>
@@ -2907,7 +2908,7 @@
             <a:fld id="{1D8BD707-D9CF-40AE-B4C6-C98DA3205C09}" type="datetimeFigureOut">
               <a:rPr lang="en-US" smtClean="0"/>
               <a:pPr/>
-              <a:t>8/30/18</a:t>
+              <a:t>8/31/18</a:t>
             </a:fld>
             <a:endParaRPr lang="en-US"/>
           </a:p>
@@ -3179,7 +3180,7 @@
             <a:fld id="{1D8BD707-D9CF-40AE-B4C6-C98DA3205C09}" type="datetimeFigureOut">
               <a:rPr lang="en-US" smtClean="0"/>
               <a:pPr/>
-              <a:t>8/30/18</a:t>
+              <a:t>8/31/18</a:t>
             </a:fld>
             <a:endParaRPr lang="en-US"/>
           </a:p>
@@ -3428,7 +3429,7 @@
             <a:fld id="{1D8BD707-D9CF-40AE-B4C6-C98DA3205C09}" type="datetimeFigureOut">
               <a:rPr lang="en-US" smtClean="0"/>
               <a:pPr/>
-              <a:t>8/30/18</a:t>
+              <a:t>8/31/18</a:t>
             </a:fld>
             <a:endParaRPr lang="en-US"/>
           </a:p>
@@ -3636,7 +3637,7 @@
             <a:fld id="{1D8BD707-D9CF-40AE-B4C6-C98DA3205C09}" type="datetimeFigureOut">
               <a:rPr lang="en-US" smtClean="0"/>
               <a:pPr/>
-              <a:t>8/30/18</a:t>
+              <a:t>8/31/18</a:t>
             </a:fld>
             <a:endParaRPr lang="en-US"/>
           </a:p>
@@ -7683,13 +7684,6 @@
               <a:t>You want to contribute to the upstream</a:t>
             </a:r>
           </a:p>
-          <a:p>
-            <a:pPr lvl="1"/>
-            <a:r>
-              <a:rPr lang="en-US" sz="2000" dirty="0"/>
-              <a:t>You want to submit homework!</a:t>
-            </a:r>
-          </a:p>
         </p:txBody>
       </p:sp>
       <p:pic>
@@ -7781,7 +7775,7 @@
         <p:spPr>
           <a:xfrm>
             <a:off x="6892290" y="2228850"/>
-            <a:ext cx="1267270" cy="646331"/>
+            <a:ext cx="1145570" cy="646331"/>
           </a:xfrm>
           <a:prstGeom prst="rect">
             <a:avLst/>
@@ -7801,7 +7795,7 @@
           <a:p>
             <a:r>
               <a:rPr lang="en-US" dirty="0"/>
-              <a:t>Fork course</a:t>
+              <a:t>Fork</a:t>
             </a:r>
           </a:p>
           <a:p>
@@ -7919,7 +7913,7 @@
               <a:rPr lang="en-US" sz="2000" dirty="0">
                 <a:hlinkClick r:id="rId3"/>
               </a:rPr>
-              <a:t>https://github.com/slacksmoodring/datascienceintro</a:t>
+              <a:t>https://github.com/slacksmoodring/datascienceintro_test</a:t>
             </a:r>
             <a:r>
               <a:rPr lang="en-US" sz="2000" dirty="0"/>
@@ -8005,9 +7999,49 @@
         </p:spPr>
         <p:txBody>
           <a:bodyPr>
-            <a:normAutofit/>
+            <a:normAutofit fontScale="92500" lnSpcReduction="20000"/>
           </a:bodyPr>
           <a:lstStyle/>
+          <a:p>
+            <a:pPr marL="0" indent="0">
+              <a:buNone/>
+            </a:pPr>
+            <a:r>
+              <a:rPr lang="en-US" sz="2000" dirty="0"/>
+              <a:t>First:</a:t>
+            </a:r>
+          </a:p>
+          <a:p>
+            <a:pPr marL="0" indent="0">
+              <a:buNone/>
+            </a:pPr>
+            <a:r>
+              <a:rPr lang="en-US" sz="2000" dirty="0"/>
+              <a:t>git clone </a:t>
+            </a:r>
+            <a:r>
+              <a:rPr lang="en-US" sz="2000" dirty="0">
+                <a:hlinkClick r:id="rId2"/>
+              </a:rPr>
+              <a:t>https://github.com/jayurbain/datascienceintro</a:t>
+            </a:r>
+            <a:endParaRPr lang="en-US" sz="2000" dirty="0"/>
+          </a:p>
+          <a:p>
+            <a:pPr marL="0" indent="0">
+              <a:buNone/>
+            </a:pPr>
+            <a:endParaRPr lang="en-US" sz="2000" dirty="0"/>
+          </a:p>
+          <a:p>
+            <a:pPr marL="0" indent="0">
+              <a:buNone/>
+            </a:pPr>
+            <a:r>
+              <a:rPr lang="en-US" sz="2000" dirty="0"/>
+              <a:t>For each homework:</a:t>
+            </a:r>
+          </a:p>
           <a:p>
             <a:pPr marL="514350" indent="-514350">
               <a:buFont typeface="+mj-lt"/>
@@ -8015,33 +8049,26 @@
             </a:pPr>
             <a:r>
               <a:rPr lang="en-US" sz="2000" dirty="0"/>
-              <a:t>Navigate to </a:t>
+              <a:t>cd </a:t>
             </a:r>
             <a:r>
               <a:rPr lang="en-US" sz="2000" dirty="0" err="1"/>
-              <a:t>DataScienceIntro</a:t>
-            </a:r>
-            <a:r>
-              <a:rPr lang="en-US" sz="2000" dirty="0"/>
-              <a:t> (locally)</a:t>
-            </a:r>
+              <a:t>datascienceintro</a:t>
+            </a:r>
+            <a:endParaRPr lang="en-US" sz="2000" dirty="0"/>
           </a:p>
           <a:p>
             <a:pPr marL="514350" indent="-514350">
               <a:buFont typeface="+mj-lt"/>
               <a:buAutoNum type="arabicPeriod"/>
             </a:pPr>
-            <a:r>
-              <a:rPr lang="en-US" sz="2000" dirty="0"/>
-              <a:t> </a:t>
-            </a:r>
             <a:r>
               <a:rPr lang="en-US" sz="2000" dirty="0">
                 <a:solidFill>
                   <a:srgbClr val="C00000"/>
                 </a:solidFill>
               </a:rPr>
-              <a:t>git pull upstream master</a:t>
+              <a:t>git pull # for each home work, make sure your local repository is up to date</a:t>
             </a:r>
             <a:endParaRPr lang="en-US" sz="2000" dirty="0"/>
           </a:p>
@@ -8052,7 +8079,7 @@
             </a:pPr>
             <a:r>
               <a:rPr lang="en-US" sz="2000" dirty="0"/>
-              <a:t>Copy your homework file(s) to your folder</a:t>
+              <a:t>Work on your homework files</a:t>
             </a:r>
           </a:p>
           <a:p>
@@ -8082,7 +8109,7 @@
                   <a:srgbClr val="C00000"/>
                 </a:solidFill>
               </a:rPr>
-              <a:t>git add &lt;filename&gt;</a:t>
+              <a:t>git add &lt;filename&gt; # only if you need to add new files</a:t>
             </a:r>
           </a:p>
           <a:p>
@@ -8127,46 +8154,28 @@
               <a:buAutoNum type="arabicPeriod"/>
             </a:pPr>
             <a:r>
-              <a:rPr lang="en-US" sz="2000" dirty="0"/>
-              <a:t> </a:t>
-            </a:r>
-            <a:r>
               <a:rPr lang="en-US" sz="2000" dirty="0">
                 <a:solidFill>
                   <a:srgbClr val="C00000"/>
                 </a:solidFill>
               </a:rPr>
-              <a:t>git push origin master</a:t>
-            </a:r>
-          </a:p>
-          <a:p>
-            <a:pPr marL="514350" indent="-514350">
-              <a:buFont typeface="+mj-lt"/>
-              <a:buAutoNum type="arabicPeriod"/>
-            </a:pPr>
+              <a:t> Submit files, typically *.</a:t>
+            </a:r>
+            <a:r>
+              <a:rPr lang="en-US" sz="2000" dirty="0" err="1">
+                <a:solidFill>
+                  <a:srgbClr val="C00000"/>
+                </a:solidFill>
+              </a:rPr>
+              <a:t>ipynb</a:t>
+            </a:r>
             <a:r>
               <a:rPr lang="en-US" sz="2000" dirty="0">
                 <a:solidFill>
                   <a:srgbClr val="C00000"/>
                 </a:solidFill>
               </a:rPr>
-              <a:t>Submit </a:t>
-            </a:r>
-            <a:r>
-              <a:rPr lang="en-US" sz="2000" dirty="0" err="1">
-                <a:solidFill>
-                  <a:srgbClr val="C00000"/>
-                </a:solidFill>
-              </a:rPr>
-              <a:t>url</a:t>
-            </a:r>
-            <a:r>
-              <a:rPr lang="en-US" sz="2000" dirty="0">
-                <a:solidFill>
-                  <a:srgbClr val="C00000"/>
-                </a:solidFill>
-              </a:rPr>
-              <a:t> to your homework with feedback on Blackboard!</a:t>
+              <a:t> + *.html, feedback, and other items to Blackboard!</a:t>
             </a:r>
           </a:p>
           <a:p>
@@ -8182,21 +8191,38 @@
             </a:pPr>
             <a:r>
               <a:rPr lang="en-US" sz="2000" i="1" dirty="0"/>
-              <a:t>Note: If you would like to suggest a change to the course repository:</a:t>
+              <a:t>Note: If you would like to suggests about the course repository:</a:t>
             </a:r>
           </a:p>
           <a:p>
             <a:r>
               <a:rPr lang="en-US" sz="2000" dirty="0"/>
-              <a:t>Create GitHub pull request (from your fork)</a:t>
-            </a:r>
+              <a:t>Make comments in the issues section of: </a:t>
+            </a:r>
+            <a:r>
+              <a:rPr lang="en-US" sz="2000" dirty="0">
+                <a:hlinkClick r:id="rId2"/>
+              </a:rPr>
+              <a:t>https://github.com/jayurbain/</a:t>
+            </a:r>
+            <a:r>
+              <a:rPr lang="en-US" sz="2000" dirty="0" err="1">
+                <a:hlinkClick r:id="rId2"/>
+              </a:rPr>
+              <a:t>datascienceintr</a:t>
+            </a:r>
+            <a:r>
+              <a:rPr lang="en-US" sz="2000" dirty="0" err="1"/>
+              <a:t>o</a:t>
+            </a:r>
+            <a:endParaRPr lang="en-US" sz="2000" dirty="0"/>
           </a:p>
         </p:txBody>
       </p:sp>
     </p:spTree>
     <p:extLst>
       <p:ext uri="{BB962C8B-B14F-4D97-AF65-F5344CB8AC3E}">
-        <p14:creationId xmlns:p14="http://schemas.microsoft.com/office/powerpoint/2010/main" val="1158024077"/>
+        <p14:creationId xmlns:p14="http://schemas.microsoft.com/office/powerpoint/2010/main" val="3660225922"/>
       </p:ext>
     </p:extLst>
   </p:cSld>
@@ -8207,7 +8233,7 @@
 </file>
 
 <file path=ppt/slides/slide36.xml><?xml version="1.0" encoding="utf-8"?>
-<p:sld xmlns:a="http://schemas.openxmlformats.org/drawingml/2006/main" xmlns:r="http://schemas.openxmlformats.org/officeDocument/2006/relationships" xmlns:p="http://schemas.openxmlformats.org/presentationml/2006/main">
+<p:sld xmlns:a="http://schemas.openxmlformats.org/drawingml/2006/main" xmlns:r="http://schemas.openxmlformats.org/officeDocument/2006/relationships" xmlns:p="http://schemas.openxmlformats.org/presentationml/2006/main" show="0">
   <p:cSld>
     <p:spTree>
       <p:nvGrpSpPr>
@@ -8240,7 +8266,7 @@
           <a:p>
             <a:r>
               <a:rPr lang="en-US"/>
-              <a:t>Two ways to initialize Git</a:t>
+              <a:t>Recipe for submitting homework</a:t>
             </a:r>
           </a:p>
         </p:txBody>
@@ -8255,97 +8281,206 @@
             <p:ph idx="1"/>
           </p:nvPr>
         </p:nvSpPr>
-        <p:spPr/>
+        <p:spPr>
+          <a:xfrm>
+            <a:off x="457200" y="1447800"/>
+            <a:ext cx="8229600" cy="4876800"/>
+          </a:xfrm>
+        </p:spPr>
         <p:txBody>
           <a:bodyPr>
             <a:normAutofit/>
           </a:bodyPr>
           <a:lstStyle/>
           <a:p>
-            <a:r>
-              <a:rPr lang="en-US" sz="2400" dirty="0"/>
-              <a:t>Initialize on GitHub:</a:t>
-            </a:r>
-          </a:p>
-          <a:p>
-            <a:pPr lvl="1"/>
-            <a:r>
-              <a:rPr lang="en-US" sz="2400" dirty="0"/>
-              <a:t>Create a repo on GitHub (with README)</a:t>
-            </a:r>
-          </a:p>
-          <a:p>
-            <a:pPr lvl="1"/>
-            <a:r>
-              <a:rPr lang="en-US" sz="2400" dirty="0"/>
-              <a:t>Clone to your local machine</a:t>
-            </a:r>
-          </a:p>
-          <a:p>
-            <a:r>
-              <a:rPr lang="en-US" sz="2400" dirty="0"/>
-              <a:t>Initialize locally:</a:t>
-            </a:r>
-          </a:p>
-          <a:p>
-            <a:pPr lvl="1"/>
-            <a:r>
-              <a:rPr lang="en-US" sz="2400" dirty="0"/>
-              <a:t>Initialize Git in existing local directory: </a:t>
-            </a:r>
-            <a:r>
-              <a:rPr lang="en-US" sz="2400" dirty="0">
+            <a:pPr marL="514350" indent="-514350">
+              <a:buFont typeface="+mj-lt"/>
+              <a:buAutoNum type="arabicPeriod"/>
+            </a:pPr>
+            <a:r>
+              <a:rPr lang="en-US" sz="2000" dirty="0"/>
+              <a:t>Navigate to </a:t>
+            </a:r>
+            <a:r>
+              <a:rPr lang="en-US" sz="2000" dirty="0" err="1"/>
+              <a:t>DataScienceIntro</a:t>
+            </a:r>
+            <a:r>
+              <a:rPr lang="en-US" sz="2000" dirty="0"/>
+              <a:t> (locally)</a:t>
+            </a:r>
+          </a:p>
+          <a:p>
+            <a:pPr marL="514350" indent="-514350">
+              <a:buFont typeface="+mj-lt"/>
+              <a:buAutoNum type="arabicPeriod"/>
+            </a:pPr>
+            <a:r>
+              <a:rPr lang="en-US" sz="2000" dirty="0"/>
+              <a:t> </a:t>
+            </a:r>
+            <a:r>
+              <a:rPr lang="en-US" sz="2000" dirty="0">
                 <a:solidFill>
                   <a:srgbClr val="C00000"/>
                 </a:solidFill>
               </a:rPr>
-              <a:t>git </a:t>
-            </a:r>
-            <a:r>
-              <a:rPr lang="en-US" sz="2400" dirty="0" err="1">
+              <a:t>git pull upstream master</a:t>
+            </a:r>
+            <a:endParaRPr lang="en-US" sz="2000" dirty="0"/>
+          </a:p>
+          <a:p>
+            <a:pPr marL="514350" indent="-514350">
+              <a:buFont typeface="+mj-lt"/>
+              <a:buAutoNum type="arabicPeriod"/>
+            </a:pPr>
+            <a:r>
+              <a:rPr lang="en-US" sz="2000" dirty="0"/>
+              <a:t>Copy your homework file(s) to your folder</a:t>
+            </a:r>
+          </a:p>
+          <a:p>
+            <a:pPr marL="514350" indent="-514350">
+              <a:buFont typeface="+mj-lt"/>
+              <a:buAutoNum type="arabicPeriod"/>
+            </a:pPr>
+            <a:r>
+              <a:rPr lang="en-US" sz="2000" dirty="0"/>
+              <a:t> </a:t>
+            </a:r>
+            <a:r>
+              <a:rPr lang="en-US" sz="2000" dirty="0">
                 <a:solidFill>
                   <a:srgbClr val="C00000"/>
                 </a:solidFill>
               </a:rPr>
-              <a:t>init</a:t>
-            </a:r>
-            <a:endParaRPr lang="en-US" sz="2400" dirty="0">
-              <a:solidFill>
-                <a:srgbClr val="C00000"/>
-              </a:solidFill>
-            </a:endParaRPr>
-          </a:p>
-          <a:p>
-            <a:pPr lvl="1"/>
-            <a:r>
-              <a:rPr lang="en-US" sz="2400" dirty="0"/>
-              <a:t>Create a repo on GitHub (without README)</a:t>
-            </a:r>
-          </a:p>
-          <a:p>
-            <a:pPr lvl="1"/>
-            <a:r>
-              <a:rPr lang="en-US" sz="2400" dirty="0"/>
-              <a:t>Add remote: </a:t>
-            </a:r>
-            <a:r>
-              <a:rPr lang="en-US" sz="2400" dirty="0">
+              <a:t>git add .</a:t>
+            </a:r>
+            <a:r>
+              <a:rPr lang="en-US" sz="2000" dirty="0"/>
+              <a:t> or </a:t>
+            </a:r>
+            <a:r>
+              <a:rPr lang="en-US" sz="2000" dirty="0">
                 <a:solidFill>
                   <a:srgbClr val="C00000"/>
                 </a:solidFill>
               </a:rPr>
-              <a:t>git remote add origin &lt;URL&gt;</a:t>
-            </a:r>
-          </a:p>
-          <a:p>
-            <a:endParaRPr lang="en-US" sz="2400" dirty="0"/>
+              <a:t>git add &lt;filename&gt;</a:t>
+            </a:r>
+          </a:p>
+          <a:p>
+            <a:pPr marL="514350" indent="-514350">
+              <a:buFont typeface="+mj-lt"/>
+              <a:buAutoNum type="arabicPeriod"/>
+            </a:pPr>
+            <a:r>
+              <a:rPr lang="en-US" sz="2000" dirty="0"/>
+              <a:t> </a:t>
+            </a:r>
+            <a:r>
+              <a:rPr lang="en-US" sz="2000" dirty="0">
+                <a:solidFill>
+                  <a:srgbClr val="C00000"/>
+                </a:solidFill>
+              </a:rPr>
+              <a:t>git status</a:t>
+            </a:r>
+          </a:p>
+          <a:p>
+            <a:pPr marL="514350" indent="-514350">
+              <a:buFont typeface="+mj-lt"/>
+              <a:buAutoNum type="arabicPeriod"/>
+            </a:pPr>
+            <a:r>
+              <a:rPr lang="en-US" sz="2000" dirty="0"/>
+              <a:t> </a:t>
+            </a:r>
+            <a:r>
+              <a:rPr lang="en-US" sz="2000" dirty="0">
+                <a:solidFill>
+                  <a:srgbClr val="C00000"/>
+                </a:solidFill>
+              </a:rPr>
+              <a:t>git commit -m “message”</a:t>
+            </a:r>
+          </a:p>
+          <a:p>
+            <a:pPr marL="514350" indent="-514350">
+              <a:buFont typeface="+mj-lt"/>
+              <a:buAutoNum type="arabicPeriod"/>
+            </a:pPr>
+            <a:r>
+              <a:rPr lang="en-US" sz="2000" dirty="0"/>
+              <a:t> </a:t>
+            </a:r>
+            <a:r>
+              <a:rPr lang="en-US" sz="2000" dirty="0">
+                <a:solidFill>
+                  <a:srgbClr val="C00000"/>
+                </a:solidFill>
+              </a:rPr>
+              <a:t>git push origin master</a:t>
+            </a:r>
+          </a:p>
+          <a:p>
+            <a:pPr marL="514350" indent="-514350">
+              <a:buFont typeface="+mj-lt"/>
+              <a:buAutoNum type="arabicPeriod"/>
+            </a:pPr>
+            <a:r>
+              <a:rPr lang="en-US" sz="2000" dirty="0">
+                <a:solidFill>
+                  <a:srgbClr val="C00000"/>
+                </a:solidFill>
+              </a:rPr>
+              <a:t>Submit </a:t>
+            </a:r>
+            <a:r>
+              <a:rPr lang="en-US" sz="2000" dirty="0" err="1">
+                <a:solidFill>
+                  <a:srgbClr val="C00000"/>
+                </a:solidFill>
+              </a:rPr>
+              <a:t>url</a:t>
+            </a:r>
+            <a:r>
+              <a:rPr lang="en-US" sz="2000" dirty="0">
+                <a:solidFill>
+                  <a:srgbClr val="C00000"/>
+                </a:solidFill>
+              </a:rPr>
+              <a:t> to your homework with feedback on Blackboard!</a:t>
+            </a:r>
+          </a:p>
+          <a:p>
+            <a:pPr marL="514350" indent="-514350">
+              <a:buFont typeface="+mj-lt"/>
+              <a:buAutoNum type="arabicPeriod"/>
+            </a:pPr>
+            <a:endParaRPr lang="en-US" sz="2000" dirty="0"/>
+          </a:p>
+          <a:p>
+            <a:pPr marL="0" indent="0">
+              <a:buNone/>
+            </a:pPr>
+            <a:r>
+              <a:rPr lang="en-US" sz="2000" i="1" dirty="0"/>
+              <a:t>Note: If you would like to suggest a change to the course repository:</a:t>
+            </a:r>
+          </a:p>
+          <a:p>
+            <a:r>
+              <a:rPr lang="en-US" sz="2000" dirty="0"/>
+              <a:t>Create GitHub pull request (from your fork)</a:t>
+            </a:r>
           </a:p>
         </p:txBody>
       </p:sp>
     </p:spTree>
     <p:extLst>
       <p:ext uri="{BB962C8B-B14F-4D97-AF65-F5344CB8AC3E}">
-        <p14:creationId xmlns:p14="http://schemas.microsoft.com/office/powerpoint/2010/main" val="1526738873"/>
+        <p14:creationId xmlns:p14="http://schemas.microsoft.com/office/powerpoint/2010/main" val="1158024077"/>
       </p:ext>
     </p:extLst>
   </p:cSld>
@@ -8389,7 +8524,7 @@
           <a:p>
             <a:r>
               <a:rPr lang="en-US"/>
-              <a:t>Deleting or moving a repo</a:t>
+              <a:t>Two ways to initialize Git</a:t>
             </a:r>
           </a:p>
         </p:txBody>
@@ -8413,48 +8548,88 @@
           <a:p>
             <a:r>
               <a:rPr lang="en-US" sz="2400" dirty="0"/>
-              <a:t>Deleting a GitHub repo:</a:t>
+              <a:t>Initialize on GitHub:</a:t>
             </a:r>
           </a:p>
           <a:p>
             <a:pPr lvl="1"/>
             <a:r>
               <a:rPr lang="en-US" sz="2400" dirty="0"/>
-              <a:t>Settings, then Delete</a:t>
-            </a:r>
-          </a:p>
-          <a:p>
-            <a:r>
-              <a:rPr lang="en-US" sz="2400" dirty="0"/>
-              <a:t>Deleting a local repo:</a:t>
+              <a:t>Create a repo on GitHub (with README)</a:t>
             </a:r>
           </a:p>
           <a:p>
             <a:pPr lvl="1"/>
             <a:r>
               <a:rPr lang="en-US" sz="2400" dirty="0"/>
-              <a:t>Just delete the folder!</a:t>
-            </a:r>
-          </a:p>
-          <a:p>
-            <a:r>
-              <a:rPr lang="en-US" sz="2400" dirty="0"/>
-              <a:t>Moving a local repo:</a:t>
+              <a:t>Clone to your local machine</a:t>
+            </a:r>
+          </a:p>
+          <a:p>
+            <a:r>
+              <a:rPr lang="en-US" sz="2400" dirty="0"/>
+              <a:t>Initialize locally:</a:t>
             </a:r>
           </a:p>
           <a:p>
             <a:pPr lvl="1"/>
             <a:r>
               <a:rPr lang="en-US" sz="2400" dirty="0"/>
-              <a:t>Just move the folder!</a:t>
-            </a:r>
+              <a:t>Initialize Git in existing local directory: </a:t>
+            </a:r>
+            <a:r>
+              <a:rPr lang="en-US" sz="2400" dirty="0">
+                <a:solidFill>
+                  <a:srgbClr val="C00000"/>
+                </a:solidFill>
+              </a:rPr>
+              <a:t>git </a:t>
+            </a:r>
+            <a:r>
+              <a:rPr lang="en-US" sz="2400" dirty="0" err="1">
+                <a:solidFill>
+                  <a:srgbClr val="C00000"/>
+                </a:solidFill>
+              </a:rPr>
+              <a:t>init</a:t>
+            </a:r>
+            <a:endParaRPr lang="en-US" sz="2400" dirty="0">
+              <a:solidFill>
+                <a:srgbClr val="C00000"/>
+              </a:solidFill>
+            </a:endParaRPr>
+          </a:p>
+          <a:p>
+            <a:pPr lvl="1"/>
+            <a:r>
+              <a:rPr lang="en-US" sz="2400" dirty="0"/>
+              <a:t>Create a repo on GitHub (without README)</a:t>
+            </a:r>
+          </a:p>
+          <a:p>
+            <a:pPr lvl="1"/>
+            <a:r>
+              <a:rPr lang="en-US" sz="2400" dirty="0"/>
+              <a:t>Add remote: </a:t>
+            </a:r>
+            <a:r>
+              <a:rPr lang="en-US" sz="2400" dirty="0">
+                <a:solidFill>
+                  <a:srgbClr val="C00000"/>
+                </a:solidFill>
+              </a:rPr>
+              <a:t>git remote add origin &lt;URL&gt;</a:t>
+            </a:r>
+          </a:p>
+          <a:p>
+            <a:endParaRPr lang="en-US" sz="2400" dirty="0"/>
           </a:p>
         </p:txBody>
       </p:sp>
     </p:spTree>
     <p:extLst>
       <p:ext uri="{BB962C8B-B14F-4D97-AF65-F5344CB8AC3E}">
-        <p14:creationId xmlns:p14="http://schemas.microsoft.com/office/powerpoint/2010/main" val="910434589"/>
+        <p14:creationId xmlns:p14="http://schemas.microsoft.com/office/powerpoint/2010/main" val="1526738873"/>
       </p:ext>
     </p:extLst>
   </p:cSld>
@@ -8498,7 +8673,7 @@
           <a:p>
             <a:r>
               <a:rPr lang="en-US"/>
-              <a:t>Excluding files from a repo</a:t>
+              <a:t>Deleting or moving a repo</a:t>
             </a:r>
           </a:p>
         </p:txBody>
@@ -8522,102 +8697,48 @@
           <a:p>
             <a:r>
               <a:rPr lang="en-US" sz="2400" dirty="0"/>
-              <a:t>Create a “.</a:t>
-            </a:r>
-            <a:r>
-              <a:rPr lang="en-US" sz="2400" dirty="0" err="1"/>
-              <a:t>gitignore</a:t>
-            </a:r>
-            <a:r>
-              <a:rPr lang="en-US" sz="2400" dirty="0"/>
-              <a:t>” file in your repo: </a:t>
-            </a:r>
-            <a:r>
-              <a:rPr lang="en-US" sz="2400" dirty="0">
-                <a:solidFill>
-                  <a:srgbClr val="C00000"/>
-                </a:solidFill>
-              </a:rPr>
-              <a:t>touch .</a:t>
-            </a:r>
-            <a:r>
-              <a:rPr lang="en-US" sz="2400" dirty="0" err="1">
-                <a:solidFill>
-                  <a:srgbClr val="C00000"/>
-                </a:solidFill>
-              </a:rPr>
-              <a:t>gitignore</a:t>
-            </a:r>
-            <a:endParaRPr lang="en-US" sz="2400" dirty="0">
-              <a:solidFill>
-                <a:srgbClr val="C00000"/>
-              </a:solidFill>
-            </a:endParaRPr>
-          </a:p>
-          <a:p>
-            <a:r>
-              <a:rPr lang="en-US" sz="2400" dirty="0"/>
-              <a:t>Specify exclusions, one per line:</a:t>
+              <a:t>Deleting a GitHub repo:</a:t>
             </a:r>
           </a:p>
           <a:p>
             <a:pPr lvl="1"/>
             <a:r>
               <a:rPr lang="en-US" sz="2400" dirty="0"/>
-              <a:t>Single files: pip-</a:t>
-            </a:r>
-            <a:r>
-              <a:rPr lang="en-US" sz="2400" dirty="0" err="1"/>
-              <a:t>log.txt</a:t>
-            </a:r>
-            <a:endParaRPr lang="en-US" sz="2400" dirty="0"/>
+              <a:t>Settings, then Delete</a:t>
+            </a:r>
+          </a:p>
+          <a:p>
+            <a:r>
+              <a:rPr lang="en-US" sz="2400" dirty="0"/>
+              <a:t>Deleting a local repo:</a:t>
+            </a:r>
           </a:p>
           <a:p>
             <a:pPr lvl="1"/>
             <a:r>
               <a:rPr lang="en-US" sz="2400" dirty="0"/>
-              <a:t>All files with a matching extension: *.</a:t>
-            </a:r>
-            <a:r>
-              <a:rPr lang="en-US" sz="2400" dirty="0" err="1"/>
-              <a:t>pyc</a:t>
-            </a:r>
-            <a:endParaRPr lang="en-US" sz="2400" dirty="0"/>
+              <a:t>Just delete the folder!</a:t>
+            </a:r>
+          </a:p>
+          <a:p>
+            <a:r>
+              <a:rPr lang="en-US" sz="2400" dirty="0"/>
+              <a:t>Moving a local repo:</a:t>
+            </a:r>
           </a:p>
           <a:p>
             <a:pPr lvl="1"/>
             <a:r>
               <a:rPr lang="en-US" sz="2400" dirty="0"/>
-              <a:t>Directories: </a:t>
-            </a:r>
-            <a:r>
-              <a:rPr lang="en-US" sz="2400" dirty="0" err="1"/>
-              <a:t>env</a:t>
-            </a:r>
-            <a:r>
-              <a:rPr lang="en-US" sz="2400" dirty="0"/>
-              <a:t>/</a:t>
-            </a:r>
-          </a:p>
-          <a:p>
-            <a:r>
-              <a:rPr lang="en-US" sz="2400" dirty="0"/>
-              <a:t>Templates: </a:t>
-            </a:r>
-            <a:r>
-              <a:rPr lang="en-US" sz="2400" dirty="0">
-                <a:hlinkClick r:id="rId2"/>
-              </a:rPr>
-              <a:t>github.com/github/gitignore</a:t>
-            </a:r>
-            <a:endParaRPr lang="en-US" sz="2400" dirty="0"/>
+              <a:t>Just move the folder!</a:t>
+            </a:r>
           </a:p>
         </p:txBody>
       </p:sp>
     </p:spTree>
     <p:extLst>
       <p:ext uri="{BB962C8B-B14F-4D97-AF65-F5344CB8AC3E}">
-        <p14:creationId xmlns:p14="http://schemas.microsoft.com/office/powerpoint/2010/main" val="487328359"/>
+        <p14:creationId xmlns:p14="http://schemas.microsoft.com/office/powerpoint/2010/main" val="910434589"/>
       </p:ext>
     </p:extLst>
   </p:cSld>
@@ -8660,12 +8781,8 @@
           <a:lstStyle/>
           <a:p>
             <a:r>
-              <a:rPr lang="en-US" err="1"/>
-              <a:t>Gists</a:t>
-            </a:r>
-            <a:r>
-              <a:rPr lang="en-US"/>
-              <a:t>: lightweight repos</a:t>
+              <a:rPr lang="en-US"/>
+              <a:t>Excluding files from a repo</a:t>
             </a:r>
           </a:p>
         </p:txBody>
@@ -8689,62 +8806,102 @@
           <a:p>
             <a:r>
               <a:rPr lang="en-US" sz="2400" dirty="0"/>
-              <a:t>You have access to Gist: </a:t>
+              <a:t>Create a “.</a:t>
+            </a:r>
+            <a:r>
+              <a:rPr lang="en-US" sz="2400" dirty="0" err="1"/>
+              <a:t>gitignore</a:t>
+            </a:r>
+            <a:r>
+              <a:rPr lang="en-US" sz="2400" dirty="0"/>
+              <a:t>” file in your repo: </a:t>
+            </a:r>
+            <a:r>
+              <a:rPr lang="en-US" sz="2400" dirty="0">
+                <a:solidFill>
+                  <a:srgbClr val="C00000"/>
+                </a:solidFill>
+              </a:rPr>
+              <a:t>touch .</a:t>
+            </a:r>
+            <a:r>
+              <a:rPr lang="en-US" sz="2400" dirty="0" err="1">
+                <a:solidFill>
+                  <a:srgbClr val="C00000"/>
+                </a:solidFill>
+              </a:rPr>
+              <a:t>gitignore</a:t>
+            </a:r>
+            <a:endParaRPr lang="en-US" sz="2400" dirty="0">
+              <a:solidFill>
+                <a:srgbClr val="C00000"/>
+              </a:solidFill>
+            </a:endParaRPr>
+          </a:p>
+          <a:p>
+            <a:r>
+              <a:rPr lang="en-US" sz="2400" dirty="0"/>
+              <a:t>Specify exclusions, one per line:</a:t>
+            </a:r>
+          </a:p>
+          <a:p>
+            <a:pPr lvl="1"/>
+            <a:r>
+              <a:rPr lang="en-US" sz="2400" dirty="0"/>
+              <a:t>Single files: pip-</a:t>
+            </a:r>
+            <a:r>
+              <a:rPr lang="en-US" sz="2400" dirty="0" err="1"/>
+              <a:t>log.txt</a:t>
+            </a:r>
+            <a:endParaRPr lang="en-US" sz="2400" dirty="0"/>
+          </a:p>
+          <a:p>
+            <a:pPr lvl="1"/>
+            <a:r>
+              <a:rPr lang="en-US" sz="2400" dirty="0"/>
+              <a:t>All files with a matching extension: *.</a:t>
+            </a:r>
+            <a:r>
+              <a:rPr lang="en-US" sz="2400" dirty="0" err="1"/>
+              <a:t>pyc</a:t>
+            </a:r>
+            <a:endParaRPr lang="en-US" sz="2400" dirty="0"/>
+          </a:p>
+          <a:p>
+            <a:pPr lvl="1"/>
+            <a:r>
+              <a:rPr lang="en-US" sz="2400" dirty="0"/>
+              <a:t>Directories: </a:t>
+            </a:r>
+            <a:r>
+              <a:rPr lang="en-US" sz="2400" dirty="0" err="1"/>
+              <a:t>env</a:t>
+            </a:r>
+            <a:r>
+              <a:rPr lang="en-US" sz="2400" dirty="0"/>
+              <a:t>/</a:t>
+            </a:r>
+          </a:p>
+          <a:p>
+            <a:r>
+              <a:rPr lang="en-US" sz="2400" dirty="0"/>
+              <a:t>Templates: </a:t>
             </a:r>
             <a:r>
               <a:rPr lang="en-US" sz="2400" dirty="0">
                 <a:hlinkClick r:id="rId2"/>
               </a:rPr>
-              <a:t>gist.github.com</a:t>
+              <a:t>github.com/github/gitignore</a:t>
             </a:r>
             <a:endParaRPr lang="en-US" sz="2400" dirty="0"/>
-          </a:p>
-          <a:p>
-            <a:r>
-              <a:rPr lang="en-US" sz="2400" dirty="0"/>
-              <a:t>Add one or more files</a:t>
-            </a:r>
-          </a:p>
-          <a:p>
-            <a:r>
-              <a:rPr lang="en-US" sz="2400" dirty="0"/>
-              <a:t>Supports cloning, forking, commenting, committing</a:t>
-            </a:r>
-          </a:p>
-          <a:p>
-            <a:r>
-              <a:rPr lang="en-US" sz="2400" dirty="0"/>
-              <a:t>Can be public or secret (not private)</a:t>
-            </a:r>
-          </a:p>
-          <a:p>
-            <a:r>
-              <a:rPr lang="en-US" sz="2400" dirty="0"/>
-              <a:t>Useful for snippets, embedding, </a:t>
-            </a:r>
-            <a:r>
-              <a:rPr lang="en-US" sz="2400" dirty="0" err="1"/>
-              <a:t>iPython</a:t>
-            </a:r>
-            <a:r>
-              <a:rPr lang="en-US" sz="2400" dirty="0"/>
-              <a:t> </a:t>
-            </a:r>
-            <a:r>
-              <a:rPr lang="en-US" sz="2400" dirty="0" err="1"/>
-              <a:t>nbviewer</a:t>
-            </a:r>
-            <a:r>
-              <a:rPr lang="en-US" sz="2400" dirty="0"/>
-              <a:t>, etc.</a:t>
-            </a:r>
           </a:p>
         </p:txBody>
       </p:sp>
     </p:spTree>
     <p:extLst>
       <p:ext uri="{BB962C8B-B14F-4D97-AF65-F5344CB8AC3E}">
-        <p14:creationId xmlns:p14="http://schemas.microsoft.com/office/powerpoint/2010/main" val="1993830181"/>
+        <p14:creationId xmlns:p14="http://schemas.microsoft.com/office/powerpoint/2010/main" val="487328359"/>
       </p:ext>
     </p:extLst>
   </p:cSld>
@@ -8849,6 +9006,133 @@
 </file>
 
 <file path=ppt/slides/slide40.xml><?xml version="1.0" encoding="utf-8"?>
+<p:sld xmlns:a="http://schemas.openxmlformats.org/drawingml/2006/main" xmlns:r="http://schemas.openxmlformats.org/officeDocument/2006/relationships" xmlns:p="http://schemas.openxmlformats.org/presentationml/2006/main">
+  <p:cSld>
+    <p:spTree>
+      <p:nvGrpSpPr>
+        <p:cNvPr id="1" name=""/>
+        <p:cNvGrpSpPr/>
+        <p:nvPr/>
+      </p:nvGrpSpPr>
+      <p:grpSpPr>
+        <a:xfrm>
+          <a:off x="0" y="0"/>
+          <a:ext cx="0" cy="0"/>
+          <a:chOff x="0" y="0"/>
+          <a:chExt cx="0" cy="0"/>
+        </a:xfrm>
+      </p:grpSpPr>
+      <p:sp>
+        <p:nvSpPr>
+          <p:cNvPr id="2" name="Title 1"/>
+          <p:cNvSpPr>
+            <a:spLocks noGrp="1"/>
+          </p:cNvSpPr>
+          <p:nvPr>
+            <p:ph type="title"/>
+          </p:nvPr>
+        </p:nvSpPr>
+        <p:spPr/>
+        <p:txBody>
+          <a:bodyPr/>
+          <a:lstStyle/>
+          <a:p>
+            <a:r>
+              <a:rPr lang="en-US" err="1"/>
+              <a:t>Gists</a:t>
+            </a:r>
+            <a:r>
+              <a:rPr lang="en-US"/>
+              <a:t>: lightweight repos</a:t>
+            </a:r>
+          </a:p>
+        </p:txBody>
+      </p:sp>
+      <p:sp>
+        <p:nvSpPr>
+          <p:cNvPr id="3" name="Content Placeholder 2"/>
+          <p:cNvSpPr>
+            <a:spLocks noGrp="1"/>
+          </p:cNvSpPr>
+          <p:nvPr>
+            <p:ph idx="1"/>
+          </p:nvPr>
+        </p:nvSpPr>
+        <p:spPr/>
+        <p:txBody>
+          <a:bodyPr>
+            <a:normAutofit/>
+          </a:bodyPr>
+          <a:lstStyle/>
+          <a:p>
+            <a:r>
+              <a:rPr lang="en-US" sz="2400" dirty="0"/>
+              <a:t>You have access to Gist: </a:t>
+            </a:r>
+            <a:r>
+              <a:rPr lang="en-US" sz="2400" dirty="0">
+                <a:hlinkClick r:id="rId2"/>
+              </a:rPr>
+              <a:t>gist.github.com</a:t>
+            </a:r>
+            <a:endParaRPr lang="en-US" sz="2400" dirty="0"/>
+          </a:p>
+          <a:p>
+            <a:r>
+              <a:rPr lang="en-US" sz="2400" dirty="0"/>
+              <a:t>Add one or more files</a:t>
+            </a:r>
+          </a:p>
+          <a:p>
+            <a:r>
+              <a:rPr lang="en-US" sz="2400" dirty="0"/>
+              <a:t>Supports cloning, forking, commenting, committing</a:t>
+            </a:r>
+          </a:p>
+          <a:p>
+            <a:r>
+              <a:rPr lang="en-US" sz="2400" dirty="0"/>
+              <a:t>Can be public or secret (not private)</a:t>
+            </a:r>
+          </a:p>
+          <a:p>
+            <a:r>
+              <a:rPr lang="en-US" sz="2400" dirty="0"/>
+              <a:t>Useful for snippets, embedding, </a:t>
+            </a:r>
+            <a:r>
+              <a:rPr lang="en-US" sz="2400" dirty="0" err="1"/>
+              <a:t>iPython</a:t>
+            </a:r>
+            <a:r>
+              <a:rPr lang="en-US" sz="2400" dirty="0"/>
+              <a:t> </a:t>
+            </a:r>
+            <a:r>
+              <a:rPr lang="en-US" sz="2400" dirty="0" err="1"/>
+              <a:t>nbviewer</a:t>
+            </a:r>
+            <a:r>
+              <a:rPr lang="en-US" sz="2400" dirty="0"/>
+              <a:t>, etc.</a:t>
+            </a:r>
+          </a:p>
+        </p:txBody>
+      </p:sp>
+    </p:spTree>
+    <p:extLst>
+      <p:ext uri="{BB962C8B-B14F-4D97-AF65-F5344CB8AC3E}">
+        <p14:creationId xmlns:p14="http://schemas.microsoft.com/office/powerpoint/2010/main" val="1993830181"/>
+      </p:ext>
+    </p:extLst>
+  </p:cSld>
+  <p:clrMapOvr>
+    <a:masterClrMapping/>
+  </p:clrMapOvr>
+</p:sld>
+</file>
+
+<file path=ppt/slides/slide41.xml><?xml version="1.0" encoding="utf-8"?>
 <p:sld xmlns:a="http://schemas.openxmlformats.org/drawingml/2006/main" xmlns:r="http://schemas.openxmlformats.org/officeDocument/2006/relationships" xmlns:p="http://schemas.openxmlformats.org/presentationml/2006/main">
   <p:cSld>
     <p:spTree>
